--- a/translations/en-us/beginner/Review.pptx
+++ b/translations/en-us/beginner/Review.pptx
@@ -219,7 +219,7 @@
           <a:p>
             <a:fld id="{F8D9B3D7-15CB-9343-AA49-EFB5A8F33F18}" type="datetimeFigureOut">
               <a:rPr lang="en-US" smtClean="0"/>
-              <a:t>2/26/2015</a:t>
+              <a:t>11/14/15</a:t>
             </a:fld>
             <a:endParaRPr lang="en-US"/>
           </a:p>
@@ -385,7 +385,7 @@
           <a:p>
             <a:fld id="{FD3EFF1E-85A1-6640-AFB9-C38833E80A84}" type="datetimeFigureOut">
               <a:rPr lang="en-US" smtClean="0"/>
-              <a:t>2/26/2015</a:t>
+              <a:t>11/14/15</a:t>
             </a:fld>
             <a:endParaRPr lang="en-US"/>
           </a:p>
@@ -1015,7 +1015,7 @@
           <a:p>
             <a:fld id="{56E4B9F2-5808-4848-B53D-90C9FF5B2477}" type="datetime1">
               <a:rPr lang="en-US" smtClean="0"/>
-              <a:t>2/26/2015</a:t>
+              <a:t>11/14/15</a:t>
             </a:fld>
             <a:endParaRPr lang="en-US"/>
           </a:p>
@@ -1609,7 +1609,7 @@
           <a:p>
             <a:fld id="{AD52ACB0-895B-4CDB-A912-FCDEC74D1CD5}" type="datetime1">
               <a:rPr lang="en-US" smtClean="0"/>
-              <a:t>2/26/2015</a:t>
+              <a:t>11/14/15</a:t>
             </a:fld>
             <a:endParaRPr lang="en-US"/>
           </a:p>
@@ -1788,7 +1788,7 @@
           <a:p>
             <a:fld id="{4D6E8ADD-EADD-4689-A2FA-73E27B535994}" type="datetime1">
               <a:rPr lang="en-US" smtClean="0"/>
-              <a:t>2/26/2015</a:t>
+              <a:t>11/14/15</a:t>
             </a:fld>
             <a:endParaRPr lang="en-US"/>
           </a:p>
@@ -1967,7 +1967,7 @@
           <a:p>
             <a:fld id="{12252F24-DE8B-4CF1-8DD5-05486B7DADD5}" type="datetime1">
               <a:rPr lang="en-US" smtClean="0"/>
-              <a:t>2/26/2015</a:t>
+              <a:t>11/14/15</a:t>
             </a:fld>
             <a:endParaRPr lang="en-US"/>
           </a:p>
@@ -2225,7 +2225,7 @@
           <a:p>
             <a:fld id="{8CC2FB00-136A-42C4-9D01-20AF54EC40A2}" type="datetime1">
               <a:rPr lang="en-US" smtClean="0"/>
-              <a:t>2/26/2015</a:t>
+              <a:t>11/14/15</a:t>
             </a:fld>
             <a:endParaRPr lang="en-US"/>
           </a:p>
@@ -2517,7 +2517,7 @@
           <a:p>
             <a:fld id="{603D3BEC-2597-4C97-A25C-215680FAEF8E}" type="datetime1">
               <a:rPr lang="en-US" smtClean="0"/>
-              <a:t>2/26/2015</a:t>
+              <a:t>11/14/15</a:t>
             </a:fld>
             <a:endParaRPr lang="en-US"/>
           </a:p>
@@ -2960,7 +2960,7 @@
           <a:p>
             <a:fld id="{E2E3056C-6A99-4606-996C-9CFD463F8C84}" type="datetime1">
               <a:rPr lang="en-US" smtClean="0"/>
-              <a:t>2/26/2015</a:t>
+              <a:t>11/14/15</a:t>
             </a:fld>
             <a:endParaRPr lang="en-US"/>
           </a:p>
@@ -3077,7 +3077,7 @@
           <a:p>
             <a:fld id="{16E3AA39-CF20-4549-9D7B-7511CDF5C962}" type="datetime1">
               <a:rPr lang="en-US" smtClean="0"/>
-              <a:t>2/26/2015</a:t>
+              <a:t>11/14/15</a:t>
             </a:fld>
             <a:endParaRPr lang="en-US"/>
           </a:p>
@@ -3171,7 +3171,7 @@
           <a:p>
             <a:fld id="{D57028B9-76AC-4F7B-AE1D-CEA170F4F113}" type="datetime1">
               <a:rPr lang="en-US" smtClean="0"/>
-              <a:t>2/26/2015</a:t>
+              <a:t>11/14/15</a:t>
             </a:fld>
             <a:endParaRPr lang="en-US"/>
           </a:p>
@@ -3417,7 +3417,7 @@
           <a:p>
             <a:fld id="{83B792B0-99D6-4ADB-87CC-812F3F6E4DA8}" type="datetime1">
               <a:rPr lang="en-US" smtClean="0"/>
-              <a:t>2/26/2015</a:t>
+              <a:t>11/14/15</a:t>
             </a:fld>
             <a:endParaRPr lang="en-US"/>
           </a:p>
@@ -3715,7 +3715,7 @@
           <a:p>
             <a:fld id="{79100972-8F0E-495E-9C69-AFBE45E5C997}" type="datetime1">
               <a:rPr lang="en-US" smtClean="0"/>
-              <a:t>2/26/2015</a:t>
+              <a:t>11/14/15</a:t>
             </a:fld>
             <a:endParaRPr lang="en-US"/>
           </a:p>
@@ -4013,7 +4013,7 @@
           <a:p>
             <a:fld id="{BD189E80-159D-427D-97D1-B2E06E43A9CD}" type="datetime1">
               <a:rPr lang="en-US" smtClean="0"/>
-              <a:t>2/26/2015</a:t>
+              <a:t>11/14/15</a:t>
             </a:fld>
             <a:endParaRPr lang="en-US"/>
           </a:p>
@@ -4897,36 +4897,6 @@
           </a:p>
         </p:txBody>
       </p:sp>
-      <p:pic>
-        <p:nvPicPr>
-          <p:cNvPr id="3" name="Picture 2" descr="Droidslogo2.png"/>
-          <p:cNvPicPr>
-            <a:picLocks noChangeAspect="1"/>
-          </p:cNvPicPr>
-          <p:nvPr/>
-        </p:nvPicPr>
-        <p:blipFill>
-          <a:blip r:embed="rId3">
-            <a:extLst>
-              <a:ext uri="{28A0092B-C50C-407E-A947-70E740481C1C}">
-                <a14:useLocalDpi xmlns:a14="http://schemas.microsoft.com/office/drawing/2010/main" val="0"/>
-              </a:ext>
-            </a:extLst>
-          </a:blip>
-          <a:stretch>
-            <a:fillRect/>
-          </a:stretch>
-        </p:blipFill>
-        <p:spPr>
-          <a:xfrm>
-            <a:off x="402306" y="5456830"/>
-            <a:ext cx="1085195" cy="1085195"/>
-          </a:xfrm>
-          <a:prstGeom prst="rect">
-            <a:avLst/>
-          </a:prstGeom>
-        </p:spPr>
-      </p:pic>
       <p:sp>
         <p:nvSpPr>
           <p:cNvPr id="4" name="TextBox 3"/>
@@ -4967,11 +4937,6 @@
               </a:rPr>
               <a:t>Review Questions</a:t>
             </a:r>
-            <a:endParaRPr lang="en-US" sz="2800" dirty="0" smtClean="0">
-              <a:solidFill>
-                <a:srgbClr val="FF0000"/>
-              </a:solidFill>
-            </a:endParaRPr>
           </a:p>
           <a:p>
             <a:endParaRPr lang="en-US" sz="2800" dirty="0"/>
@@ -4987,7 +4952,7 @@
           <p:nvPr/>
         </p:nvPicPr>
         <p:blipFill>
-          <a:blip r:embed="rId4">
+          <a:blip r:embed="rId3">
             <a:extLst>
               <a:ext uri="{28A0092B-C50C-407E-A947-70E740481C1C}">
                 <a14:useLocalDpi xmlns:a14="http://schemas.microsoft.com/office/drawing/2010/main" val="0"/>
@@ -5017,6 +4982,36 @@
               </a14:hiddenFill>
             </a:ext>
           </a:extLst>
+        </p:spPr>
+      </p:pic>
+      <p:pic>
+        <p:nvPicPr>
+          <p:cNvPr id="5" name="Picture 4"/>
+          <p:cNvPicPr>
+            <a:picLocks noChangeAspect="1"/>
+          </p:cNvPicPr>
+          <p:nvPr/>
+        </p:nvPicPr>
+        <p:blipFill>
+          <a:blip r:embed="rId4">
+            <a:extLst>
+              <a:ext uri="{28A0092B-C50C-407E-A947-70E740481C1C}">
+                <a14:useLocalDpi xmlns:a14="http://schemas.microsoft.com/office/drawing/2010/main" val="0"/>
+              </a:ext>
+            </a:extLst>
+          </a:blip>
+          <a:stretch>
+            <a:fillRect/>
+          </a:stretch>
+        </p:blipFill>
+        <p:spPr>
+          <a:xfrm>
+            <a:off x="228600" y="5268515"/>
+            <a:ext cx="1258901" cy="1204348"/>
+          </a:xfrm>
+          <a:prstGeom prst="rect">
+            <a:avLst/>
+          </a:prstGeom>
         </p:spPr>
       </p:pic>
     </p:spTree>
@@ -5073,11 +5068,7 @@
           <a:p>
             <a:r>
               <a:rPr lang="en-US" dirty="0" smtClean="0"/>
-              <a:t>Review 1</a:t>
-            </a:r>
-            <a:r>
-              <a:rPr lang="en-US" dirty="0" smtClean="0"/>
-              <a:t>: MOVE STRAIGHT</a:t>
+              <a:t>Review 1: MOVE STRAIGHT</a:t>
             </a:r>
             <a:endParaRPr lang="en-US" dirty="0"/>
           </a:p>
@@ -5274,11 +5265,7 @@
           <a:p>
             <a:r>
               <a:rPr lang="en-US" dirty="0" smtClean="0"/>
-              <a:t>Review </a:t>
-            </a:r>
-            <a:r>
-              <a:rPr lang="en-US" dirty="0" smtClean="0"/>
-              <a:t>1</a:t>
+              <a:t>Review 1</a:t>
             </a:r>
             <a:r>
               <a:rPr lang="en-US" dirty="0"/>
@@ -5385,7 +5372,6 @@
               <a:rPr lang="en-US" dirty="0" smtClean="0"/>
               <a:t>Move Steering</a:t>
             </a:r>
-            <a:endParaRPr lang="en-US" dirty="0" smtClean="0"/>
           </a:p>
           <a:p>
             <a:pPr marL="457200" indent="-457200">
@@ -5439,7 +5425,6 @@
               <a:rPr lang="en-US" b="0" dirty="0" smtClean="0"/>
               <a:t>Use negative power</a:t>
             </a:r>
-            <a:endParaRPr lang="en-US" b="0" dirty="0" smtClean="0"/>
           </a:p>
           <a:p>
             <a:pPr marL="457200" indent="-457200">
@@ -5528,11 +5513,7 @@
           <a:p>
             <a:r>
               <a:rPr lang="en-US" dirty="0" smtClean="0"/>
-              <a:t>REVIEW </a:t>
-            </a:r>
-            <a:r>
-              <a:rPr lang="en-US" dirty="0" smtClean="0"/>
-              <a:t>2:</a:t>
+              <a:t>REVIEW 2:</a:t>
             </a:r>
             <a:endParaRPr lang="en-US" dirty="0"/>
           </a:p>
@@ -5980,11 +5961,7 @@
           <a:p>
             <a:r>
               <a:rPr lang="en-US" dirty="0" smtClean="0"/>
-              <a:t>REVIEW 2 Answers</a:t>
-            </a:r>
-            <a:r>
-              <a:rPr lang="en-US" dirty="0" smtClean="0"/>
-              <a:t>:</a:t>
+              <a:t>REVIEW 2 Answers:</a:t>
             </a:r>
             <a:endParaRPr lang="en-US" dirty="0"/>
           </a:p>
@@ -8009,11 +7986,7 @@
           <a:p>
             <a:r>
               <a:rPr lang="en-US" dirty="0"/>
-              <a:t> </a:t>
-            </a:r>
-            <a:r>
-              <a:rPr lang="en-US" dirty="0"/>
-              <a:t>	</a:t>
+              <a:t> 	</a:t>
             </a:r>
             <a:r>
               <a:rPr lang="en-US" b="0" dirty="0" smtClean="0"/>
